--- a/teaching/cs513-autocps-fall-2020/course-intro.pptx
+++ b/teaching/cs513-autocps-fall-2020/course-intro.pptx
@@ -215,7 +215,7 @@
           <a:p>
             <a:fld id="{6580C23F-98B7-41D4-A9FA-15A275A51486}" type="datetimeFigureOut">
               <a:rPr lang="en-US" smtClean="0"/>
-              <a:t>1/7/2019</a:t>
+              <a:t>8/23/2020</a:t>
             </a:fld>
             <a:endParaRPr lang="en-US"/>
           </a:p>
@@ -704,10 +704,10 @@
         </p:nvGrpSpPr>
         <p:grpSpPr>
           <a:xfrm>
-            <a:off x="0" y="5758322"/>
-            <a:ext cx="12192000" cy="1099678"/>
-            <a:chOff x="50006" y="5327414"/>
-            <a:chExt cx="12192000" cy="1099678"/>
+            <a:off x="0" y="6150114"/>
+            <a:ext cx="12192000" cy="707886"/>
+            <a:chOff x="50006" y="5719206"/>
+            <a:chExt cx="12192000" cy="707886"/>
           </a:xfrm>
         </p:grpSpPr>
         <p:sp>
@@ -724,8 +724,8 @@
           </p:nvSpPr>
           <p:spPr>
             <a:xfrm>
-              <a:off x="50006" y="5375274"/>
-              <a:ext cx="12192000" cy="1051818"/>
+              <a:off x="50006" y="5792092"/>
+              <a:ext cx="12192000" cy="635000"/>
             </a:xfrm>
             <a:prstGeom prst="rect">
               <a:avLst/>
@@ -797,8 +797,8 @@
           </p:nvSpPr>
           <p:spPr>
             <a:xfrm>
-              <a:off x="71438" y="5327414"/>
-              <a:ext cx="5712958" cy="1077218"/>
+              <a:off x="50006" y="5719206"/>
+              <a:ext cx="5712958" cy="707886"/>
             </a:xfrm>
             <a:prstGeom prst="rect">
               <a:avLst/>
@@ -813,7 +813,7 @@
             <a:p>
               <a:pPr defTabSz="457200"/>
               <a:r>
-                <a:rPr lang="en-US" sz="3200" b="1" dirty="0">
+                <a:rPr lang="en-US" sz="1800" b="1" dirty="0">
                   <a:solidFill>
                     <a:srgbClr val="FFC000"/>
                   </a:solidFill>
@@ -823,7 +823,7 @@
                 <a:t>USC </a:t>
               </a:r>
               <a:r>
-                <a:rPr lang="en-US" sz="3200" dirty="0">
+                <a:rPr lang="en-US" sz="1800" dirty="0">
                   <a:solidFill>
                     <a:srgbClr val="FFC000"/>
                   </a:solidFill>
@@ -836,7 +836,7 @@
             <a:p>
               <a:pPr defTabSz="457200"/>
               <a:r>
-                <a:rPr lang="en-US" sz="1600" dirty="0">
+                <a:rPr lang="en-US" sz="1050" dirty="0">
                   <a:solidFill>
                     <a:srgbClr val="FFC000"/>
                   </a:solidFill>
@@ -849,7 +849,7 @@
             <a:p>
               <a:pPr defTabSz="457200"/>
               <a:r>
-                <a:rPr lang="en-US" sz="1600" dirty="0">
+                <a:rPr lang="en-US" sz="1050" dirty="0">
                   <a:solidFill>
                     <a:srgbClr val="FFC000"/>
                   </a:solidFill>
@@ -859,7 +859,7 @@
                 <a:t>		</a:t>
               </a:r>
               <a:r>
-                <a:rPr lang="en-US" sz="1600" i="1" dirty="0">
+                <a:rPr lang="en-US" sz="1050" i="1" dirty="0">
                   <a:solidFill>
                     <a:srgbClr val="FFC000"/>
                   </a:solidFill>
@@ -992,188 +992,6 @@
           </a:p>
         </p:txBody>
       </p:sp>
-      <p:grpSp>
-        <p:nvGrpSpPr>
-          <p:cNvPr id="8" name="Group 7">
-            <a:extLst>
-              <a:ext uri="{FF2B5EF4-FFF2-40B4-BE49-F238E27FC236}">
-                <a16:creationId xmlns:a16="http://schemas.microsoft.com/office/drawing/2014/main" id="{9A785756-0585-40D8-98E9-34817A498311}"/>
-              </a:ext>
-            </a:extLst>
-          </p:cNvPr>
-          <p:cNvGrpSpPr/>
-          <p:nvPr userDrawn="1"/>
-        </p:nvGrpSpPr>
-        <p:grpSpPr>
-          <a:xfrm>
-            <a:off x="3570" y="5759682"/>
-            <a:ext cx="12192000" cy="1099678"/>
-            <a:chOff x="50006" y="5327414"/>
-            <a:chExt cx="12192000" cy="1099678"/>
-          </a:xfrm>
-        </p:grpSpPr>
-        <p:sp>
-          <p:nvSpPr>
-            <p:cNvPr id="9" name="Rectangle 8">
-              <a:extLst>
-                <a:ext uri="{FF2B5EF4-FFF2-40B4-BE49-F238E27FC236}">
-                  <a16:creationId xmlns:a16="http://schemas.microsoft.com/office/drawing/2014/main" id="{EA8E9BA4-0363-4A70-9E0A-B9683462DE33}"/>
-                </a:ext>
-              </a:extLst>
-            </p:cNvPr>
-            <p:cNvSpPr/>
-            <p:nvPr userDrawn="1"/>
-          </p:nvSpPr>
-          <p:spPr>
-            <a:xfrm>
-              <a:off x="50006" y="5375274"/>
-              <a:ext cx="12192000" cy="1051818"/>
-            </a:xfrm>
-            <a:prstGeom prst="rect">
-              <a:avLst/>
-            </a:prstGeom>
-            <a:solidFill>
-              <a:srgbClr val="990000"/>
-            </a:solidFill>
-            <a:ln w="9525" cap="flat" cmpd="sng" algn="ctr">
-              <a:noFill/>
-              <a:prstDash val="solid"/>
-            </a:ln>
-            <a:effectLst>
-              <a:outerShdw blurRad="40000" dist="23000" dir="5400000" rotWithShape="0">
-                <a:srgbClr val="000000">
-                  <a:alpha val="35000"/>
-                </a:srgbClr>
-              </a:outerShdw>
-            </a:effectLst>
-          </p:spPr>
-          <p:txBody>
-            <a:bodyPr rtlCol="0" anchor="ctr"/>
-            <a:lstStyle/>
-            <a:p>
-              <a:pPr marL="0" marR="0" lvl="0" indent="0" algn="ctr" defTabSz="457200" eaLnBrk="1" fontAlgn="auto" latinLnBrk="0" hangingPunct="1">
-                <a:lnSpc>
-                  <a:spcPct val="100000"/>
-                </a:lnSpc>
-                <a:spcBef>
-                  <a:spcPts val="0"/>
-                </a:spcBef>
-                <a:spcAft>
-                  <a:spcPts val="0"/>
-                </a:spcAft>
-                <a:buClrTx/>
-                <a:buSzTx/>
-                <a:buFontTx/>
-                <a:buNone/>
-                <a:tabLst/>
-                <a:defRPr/>
-              </a:pPr>
-              <a:endParaRPr kumimoji="0" lang="en-US" sz="4000" b="0" i="0" u="none" strike="noStrike" kern="0" cap="none" spc="0" normalizeH="0" baseline="0" noProof="0" dirty="0">
-                <a:ln>
-                  <a:noFill/>
-                </a:ln>
-                <a:solidFill>
-                  <a:srgbClr val="FFC000"/>
-                </a:solidFill>
-                <a:effectLst/>
-                <a:uLnTx/>
-                <a:uFillTx/>
-                <a:latin typeface="Times New Roman" panose="02020603050405020304" pitchFamily="18" charset="0"/>
-                <a:ea typeface="+mn-ea"/>
-                <a:cs typeface="Times New Roman" panose="02020603050405020304" pitchFamily="18" charset="0"/>
-              </a:endParaRPr>
-            </a:p>
-          </p:txBody>
-        </p:sp>
-        <p:sp>
-          <p:nvSpPr>
-            <p:cNvPr id="10" name="TextBox 9">
-              <a:extLst>
-                <a:ext uri="{FF2B5EF4-FFF2-40B4-BE49-F238E27FC236}">
-                  <a16:creationId xmlns:a16="http://schemas.microsoft.com/office/drawing/2014/main" id="{1FABD5F6-C7FE-4495-BA21-86E3D6DC242B}"/>
-                </a:ext>
-              </a:extLst>
-            </p:cNvPr>
-            <p:cNvSpPr txBox="1"/>
-            <p:nvPr userDrawn="1"/>
-          </p:nvSpPr>
-          <p:spPr>
-            <a:xfrm>
-              <a:off x="71438" y="5327414"/>
-              <a:ext cx="5712958" cy="1077218"/>
-            </a:xfrm>
-            <a:prstGeom prst="rect">
-              <a:avLst/>
-            </a:prstGeom>
-            <a:noFill/>
-          </p:spPr>
-          <p:txBody>
-            <a:bodyPr wrap="square" rtlCol="0">
-              <a:spAutoFit/>
-            </a:bodyPr>
-            <a:lstStyle/>
-            <a:p>
-              <a:pPr defTabSz="457200"/>
-              <a:r>
-                <a:rPr lang="en-US" sz="3200" b="1" dirty="0">
-                  <a:solidFill>
-                    <a:srgbClr val="FFC000"/>
-                  </a:solidFill>
-                  <a:latin typeface="Times New Roman" panose="02020603050405020304" pitchFamily="18" charset="0"/>
-                  <a:cs typeface="Times New Roman" panose="02020603050405020304" pitchFamily="18" charset="0"/>
-                </a:rPr>
-                <a:t>USC </a:t>
-              </a:r>
-              <a:r>
-                <a:rPr lang="en-US" sz="3200" dirty="0">
-                  <a:solidFill>
-                    <a:srgbClr val="FFC000"/>
-                  </a:solidFill>
-                  <a:latin typeface="Times New Roman" panose="02020603050405020304" pitchFamily="18" charset="0"/>
-                  <a:cs typeface="Times New Roman" panose="02020603050405020304" pitchFamily="18" charset="0"/>
-                </a:rPr>
-                <a:t>Viterbi</a:t>
-              </a:r>
-            </a:p>
-            <a:p>
-              <a:pPr defTabSz="457200"/>
-              <a:r>
-                <a:rPr lang="en-US" sz="1600" dirty="0">
-                  <a:solidFill>
-                    <a:srgbClr val="FFC000"/>
-                  </a:solidFill>
-                  <a:latin typeface="Times New Roman" panose="02020603050405020304" pitchFamily="18" charset="0"/>
-                  <a:cs typeface="Times New Roman" panose="02020603050405020304" pitchFamily="18" charset="0"/>
-                </a:rPr>
-                <a:t>		School of Engineering</a:t>
-              </a:r>
-            </a:p>
-            <a:p>
-              <a:pPr defTabSz="457200"/>
-              <a:r>
-                <a:rPr lang="en-US" sz="1600" dirty="0">
-                  <a:solidFill>
-                    <a:srgbClr val="FFC000"/>
-                  </a:solidFill>
-                  <a:latin typeface="Garamond" panose="02020404030301010803" pitchFamily="18" charset="0"/>
-                  <a:cs typeface="Times New Roman" panose="02020603050405020304" pitchFamily="18" charset="0"/>
-                </a:rPr>
-                <a:t>		</a:t>
-              </a:r>
-              <a:r>
-                <a:rPr lang="en-US" sz="1600" i="1" dirty="0">
-                  <a:solidFill>
-                    <a:srgbClr val="FFC000"/>
-                  </a:solidFill>
-                  <a:latin typeface="Garamond" panose="02020404030301010803" pitchFamily="18" charset="0"/>
-                  <a:cs typeface="Times New Roman" panose="02020603050405020304" pitchFamily="18" charset="0"/>
-                </a:rPr>
-                <a:t>Department of Computer Science</a:t>
-              </a:r>
-            </a:p>
-          </p:txBody>
-        </p:sp>
-      </p:grpSp>
       <p:pic>
         <p:nvPicPr>
           <p:cNvPr id="12" name="Picture 11" descr="Small Use Shield_GoldOnTrans.eps">
@@ -1189,7 +1007,7 @@
           <p:nvPr userDrawn="1"/>
         </p:nvPicPr>
         <mc:AlternateContent xmlns:mc="http://schemas.openxmlformats.org/markup-compatibility/2006">
-          <mc:Choice xmlns="" xmlns:mv="urn:schemas-microsoft-com:mac:vml" xmlns:ma="http://schemas.microsoft.com/office/mac/drawingml/2008/main" Requires="ma">
+          <mc:Choice xmlns:ma="http://schemas.microsoft.com/office/mac/drawingml/2008/main" xmlns:mv="urn:schemas-microsoft-com:mac:vml" xmlns="" Requires="ma">
             <p:blipFill>
               <a:blip r:embed="rId3"/>
               <a:stretch>
@@ -1421,7 +1239,7 @@
         </p:nvSpPr>
         <p:spPr>
           <a:xfrm>
-            <a:off x="4724400" y="6411086"/>
+            <a:off x="4837679" y="6380997"/>
             <a:ext cx="2743200" cy="365125"/>
           </a:xfrm>
         </p:spPr>
@@ -1443,6 +1261,167 @@
               <a:t>‹#›</a:t>
             </a:fld>
             <a:endParaRPr lang="en-US"/>
+          </a:p>
+        </p:txBody>
+      </p:sp>
+      <p:sp>
+        <p:nvSpPr>
+          <p:cNvPr id="4" name="Rectangle 3">
+            <a:extLst>
+              <a:ext uri="{FF2B5EF4-FFF2-40B4-BE49-F238E27FC236}">
+                <a16:creationId xmlns:a16="http://schemas.microsoft.com/office/drawing/2014/main" id="{EBD71DAF-0C4E-45DE-A6F2-DF7F66B0269C}"/>
+              </a:ext>
+            </a:extLst>
+          </p:cNvPr>
+          <p:cNvSpPr/>
+          <p:nvPr userDrawn="1"/>
+        </p:nvSpPr>
+        <p:spPr>
+          <a:xfrm>
+            <a:off x="0" y="6223000"/>
+            <a:ext cx="12192000" cy="635000"/>
+          </a:xfrm>
+          <a:prstGeom prst="rect">
+            <a:avLst/>
+          </a:prstGeom>
+          <a:solidFill>
+            <a:srgbClr val="990000"/>
+          </a:solidFill>
+          <a:ln w="9525" cap="flat" cmpd="sng" algn="ctr">
+            <a:noFill/>
+            <a:prstDash val="solid"/>
+          </a:ln>
+          <a:effectLst>
+            <a:outerShdw blurRad="40000" dist="23000" dir="5400000" rotWithShape="0">
+              <a:srgbClr val="000000">
+                <a:alpha val="35000"/>
+              </a:srgbClr>
+            </a:outerShdw>
+          </a:effectLst>
+        </p:spPr>
+        <p:txBody>
+          <a:bodyPr rtlCol="0" anchor="ctr"/>
+          <a:lstStyle/>
+          <a:p>
+            <a:pPr marL="0" marR="0" lvl="0" indent="0" algn="ctr" defTabSz="457200" eaLnBrk="1" fontAlgn="auto" latinLnBrk="0" hangingPunct="1">
+              <a:lnSpc>
+                <a:spcPct val="100000"/>
+              </a:lnSpc>
+              <a:spcBef>
+                <a:spcPts val="0"/>
+              </a:spcBef>
+              <a:spcAft>
+                <a:spcPts val="0"/>
+              </a:spcAft>
+              <a:buClrTx/>
+              <a:buSzTx/>
+              <a:buFontTx/>
+              <a:buNone/>
+              <a:tabLst/>
+              <a:defRPr/>
+            </a:pPr>
+            <a:endParaRPr kumimoji="0" lang="en-US" sz="4000" b="0" i="0" u="none" strike="noStrike" kern="0" cap="none" spc="0" normalizeH="0" baseline="0" noProof="0" dirty="0">
+              <a:ln>
+                <a:noFill/>
+              </a:ln>
+              <a:solidFill>
+                <a:srgbClr val="FFC000"/>
+              </a:solidFill>
+              <a:effectLst/>
+              <a:uLnTx/>
+              <a:uFillTx/>
+              <a:latin typeface="Times New Roman" panose="02020603050405020304" pitchFamily="18" charset="0"/>
+              <a:ea typeface="+mn-ea"/>
+              <a:cs typeface="Times New Roman" panose="02020603050405020304" pitchFamily="18" charset="0"/>
+            </a:endParaRPr>
+          </a:p>
+        </p:txBody>
+      </p:sp>
+      <p:sp>
+        <p:nvSpPr>
+          <p:cNvPr id="5" name="TextBox 4">
+            <a:extLst>
+              <a:ext uri="{FF2B5EF4-FFF2-40B4-BE49-F238E27FC236}">
+                <a16:creationId xmlns:a16="http://schemas.microsoft.com/office/drawing/2014/main" id="{1074791F-7607-4481-B3AE-0E7038732FDB}"/>
+              </a:ext>
+            </a:extLst>
+          </p:cNvPr>
+          <p:cNvSpPr txBox="1"/>
+          <p:nvPr userDrawn="1"/>
+        </p:nvSpPr>
+        <p:spPr>
+          <a:xfrm>
+            <a:off x="0" y="6150114"/>
+            <a:ext cx="5712958" cy="707886"/>
+          </a:xfrm>
+          <a:prstGeom prst="rect">
+            <a:avLst/>
+          </a:prstGeom>
+          <a:noFill/>
+        </p:spPr>
+        <p:txBody>
+          <a:bodyPr wrap="square" rtlCol="0">
+            <a:spAutoFit/>
+          </a:bodyPr>
+          <a:lstStyle/>
+          <a:p>
+            <a:pPr defTabSz="457200"/>
+            <a:r>
+              <a:rPr lang="en-US" sz="1800" b="1" dirty="0">
+                <a:solidFill>
+                  <a:srgbClr val="FFC000"/>
+                </a:solidFill>
+                <a:latin typeface="Times New Roman" panose="02020603050405020304" pitchFamily="18" charset="0"/>
+                <a:cs typeface="Times New Roman" panose="02020603050405020304" pitchFamily="18" charset="0"/>
+              </a:rPr>
+              <a:t>USC </a:t>
+            </a:r>
+            <a:r>
+              <a:rPr lang="en-US" sz="1800" dirty="0">
+                <a:solidFill>
+                  <a:srgbClr val="FFC000"/>
+                </a:solidFill>
+                <a:latin typeface="Times New Roman" panose="02020603050405020304" pitchFamily="18" charset="0"/>
+                <a:cs typeface="Times New Roman" panose="02020603050405020304" pitchFamily="18" charset="0"/>
+              </a:rPr>
+              <a:t>Viterbi</a:t>
+            </a:r>
+          </a:p>
+          <a:p>
+            <a:pPr defTabSz="457200"/>
+            <a:r>
+              <a:rPr lang="en-US" sz="1050" dirty="0">
+                <a:solidFill>
+                  <a:srgbClr val="FFC000"/>
+                </a:solidFill>
+                <a:latin typeface="Times New Roman" panose="02020603050405020304" pitchFamily="18" charset="0"/>
+                <a:cs typeface="Times New Roman" panose="02020603050405020304" pitchFamily="18" charset="0"/>
+              </a:rPr>
+              <a:t>		School of Engineering</a:t>
+            </a:r>
+          </a:p>
+          <a:p>
+            <a:pPr defTabSz="457200"/>
+            <a:r>
+              <a:rPr lang="en-US" sz="1050" dirty="0">
+                <a:solidFill>
+                  <a:srgbClr val="FFC000"/>
+                </a:solidFill>
+                <a:latin typeface="Garamond" panose="02020404030301010803" pitchFamily="18" charset="0"/>
+                <a:cs typeface="Times New Roman" panose="02020603050405020304" pitchFamily="18" charset="0"/>
+              </a:rPr>
+              <a:t>		</a:t>
+            </a:r>
+            <a:r>
+              <a:rPr lang="en-US" sz="1050" i="1" dirty="0">
+                <a:solidFill>
+                  <a:srgbClr val="FFC000"/>
+                </a:solidFill>
+                <a:latin typeface="Garamond" panose="02020404030301010803" pitchFamily="18" charset="0"/>
+                <a:cs typeface="Times New Roman" panose="02020603050405020304" pitchFamily="18" charset="0"/>
+              </a:rPr>
+              <a:t>Department of Computer Science</a:t>
+            </a:r>
           </a:p>
         </p:txBody>
       </p:sp>
@@ -2097,13 +2076,13 @@
         </p:spPr>
         <p:txBody>
           <a:bodyPr>
-            <a:normAutofit fontScale="85000" lnSpcReduction="10000"/>
+            <a:normAutofit fontScale="92500" lnSpcReduction="10000"/>
           </a:bodyPr>
           <a:lstStyle/>
           <a:p>
             <a:r>
               <a:rPr lang="en-US" dirty="0"/>
-              <a:t>Spring 2019: CS 599</a:t>
+              <a:t>Fall 2020: CS 513</a:t>
             </a:r>
           </a:p>
           <a:p>
@@ -2118,7 +2097,7 @@
           <a:p>
             <a:r>
               <a:rPr lang="en-US" dirty="0"/>
-              <a:t>Course materials: http://www-bcf.usc.edu/~jdeshmuk/teaching/cs599-autocps-spring-2019/</a:t>
+              <a:t>Course materials: http://jdeshmukh.github.io/teaching/cs513-autocps-fall-2020/</a:t>
             </a:r>
           </a:p>
         </p:txBody>
@@ -2204,7 +2183,12 @@
             <p:ph idx="1"/>
           </p:nvPr>
         </p:nvSpPr>
-        <p:spPr/>
+        <p:spPr>
+          <a:xfrm>
+            <a:off x="166680" y="1644649"/>
+            <a:ext cx="11699087" cy="3753641"/>
+          </a:xfrm>
+        </p:spPr>
         <p:txBody>
           <a:bodyPr/>
           <a:lstStyle/>
@@ -2224,7 +2208,7 @@
           <a:p>
             <a:r>
               <a:rPr lang="en-US" dirty="0"/>
-              <a:t>Part II: Expressing Requirements, Monitoring, Test Generation</a:t>
+              <a:t>Part II: Expressing Requirements, Monitoring, Test Generation, Verification</a:t>
             </a:r>
           </a:p>
           <a:p>
@@ -2246,25 +2230,6 @@
               <a:rPr lang="en-US" dirty="0"/>
               <a:t>Basics of perception, decision-making, reinforcement learning, sensing, examples from self-driving, UAVs and medical devices</a:t>
             </a:r>
-          </a:p>
-          <a:p>
-            <a:r>
-              <a:rPr lang="en-US" dirty="0"/>
-              <a:t>Part IV: Introduction to Formal Verification</a:t>
-            </a:r>
-          </a:p>
-          <a:p>
-            <a:pPr lvl="1"/>
-            <a:r>
-              <a:rPr lang="en-US" dirty="0"/>
-              <a:t>Reachability Analysis, Barrier Certificates, Mining Requirements</a:t>
-            </a:r>
-          </a:p>
-          <a:p>
-            <a:pPr marL="0" indent="0">
-              <a:buNone/>
-            </a:pPr>
-            <a:endParaRPr lang="en-US" dirty="0"/>
           </a:p>
         </p:txBody>
       </p:sp>
@@ -2402,7 +2367,7 @@
           <a:p>
             <a:r>
               <a:rPr lang="en-US" dirty="0"/>
-              <a:t>2 simple </a:t>
+              <a:t>1 </a:t>
             </a:r>
             <a:r>
               <a:rPr lang="en-US" b="1" dirty="0"/>
@@ -2410,7 +2375,7 @@
             </a:r>
             <a:r>
               <a:rPr lang="en-US" dirty="0"/>
-              <a:t>exams</a:t>
+              <a:t>final</a:t>
             </a:r>
           </a:p>
           <a:p>
@@ -2565,14 +2530,14 @@
             <a:pPr lvl="1"/>
             <a:r>
               <a:rPr lang="en-US" dirty="0"/>
-              <a:t>Generate tests using falsification/test generation</a:t>
+              <a:t>Generate tests/proofs using verification/falsification/test generation</a:t>
             </a:r>
           </a:p>
           <a:p>
             <a:pPr lvl="1"/>
             <a:r>
               <a:rPr lang="en-US" dirty="0"/>
-              <a:t>Bonus: Mine requirements / Prove safety </a:t>
+              <a:t>Show the application of formal reasoning</a:t>
             </a:r>
           </a:p>
           <a:p>
@@ -2602,7 +2567,7 @@
             <a:pPr lvl="1"/>
             <a:r>
               <a:rPr lang="en-US" dirty="0"/>
-              <a:t>Can also develop model in Python if that is the preferred language (will require additional work for handling requirements!)</a:t>
+              <a:t>Can also develop model in Python if that is the preferred language</a:t>
             </a:r>
           </a:p>
           <a:p>
@@ -3064,45 +3029,51 @@
         <p:spPr>
           <a:xfrm>
             <a:off x="166681" y="2243737"/>
-            <a:ext cx="11699087" cy="2689413"/>
+            <a:ext cx="11699087" cy="2899763"/>
           </a:xfrm>
         </p:spPr>
         <p:txBody>
-          <a:bodyPr/>
-          <a:lstStyle/>
-          <a:p>
-            <a:r>
-              <a:rPr lang="en-US" dirty="0"/>
-              <a:t>Assignments: 40% (4x10)</a:t>
-            </a:r>
-          </a:p>
-          <a:p>
-            <a:r>
-              <a:rPr lang="en-US" dirty="0"/>
-              <a:t>Tests: 30% (2x15)</a:t>
-            </a:r>
-          </a:p>
-          <a:p>
-            <a:r>
-              <a:rPr lang="en-US" dirty="0"/>
-              <a:t>Project: 25% (Proposal: 5, Final Deliverable: 15, Final Talk: 5)</a:t>
-            </a:r>
-          </a:p>
-          <a:p>
-            <a:r>
-              <a:rPr lang="en-US" dirty="0"/>
-              <a:t>Attendance + Class participation: 5%</a:t>
+          <a:bodyPr>
+            <a:normAutofit/>
+          </a:bodyPr>
+          <a:lstStyle/>
+          <a:p>
+            <a:r>
+              <a:rPr lang="en-US" dirty="0"/>
+              <a:t>Assignments: 50% (2x10 + 2x15)</a:t>
+            </a:r>
+          </a:p>
+          <a:p>
+            <a:r>
+              <a:rPr lang="en-US" dirty="0"/>
+              <a:t>Final: 20% </a:t>
+            </a:r>
+          </a:p>
+          <a:p>
+            <a:r>
+              <a:rPr lang="en-US" dirty="0"/>
+              <a:t>Project: 25% (Proposal: 5, Final Report: 15, Final Talk: 5)</a:t>
+            </a:r>
+          </a:p>
+          <a:p>
+            <a:r>
+              <a:rPr lang="en-US" dirty="0"/>
+              <a:t>Class participation: 5%</a:t>
             </a:r>
           </a:p>
           <a:p>
             <a:pPr lvl="1"/>
             <a:r>
               <a:rPr lang="en-US" dirty="0"/>
-              <a:t>Please ask questions in class or at office hours!</a:t>
-            </a:r>
-          </a:p>
-          <a:p>
-            <a:endParaRPr lang="en-US" dirty="0"/>
+              <a:t>Participation in Slack</a:t>
+            </a:r>
+          </a:p>
+          <a:p>
+            <a:pPr lvl="1"/>
+            <a:r>
+              <a:rPr lang="en-US" dirty="0"/>
+              <a:t>Q&amp;A during live Zoom sessions</a:t>
+            </a:r>
           </a:p>
         </p:txBody>
       </p:sp>
@@ -3477,15 +3448,19 @@
             </a:pPr>
             <a:r>
               <a:rPr lang="en-US" dirty="0"/>
-              <a:t>Office Hours: Monday, </a:t>
+              <a:t>Office Hours: </a:t>
             </a:r>
             <a:r>
               <a:rPr lang="en-US" b="1" dirty="0"/>
-              <a:t>12:00pm-2:00pm</a:t>
-            </a:r>
-            <a:r>
-              <a:rPr lang="en-US" dirty="0"/>
-              <a:t>, SAL 340, or by appointment.</a:t>
+              <a:t>Tuesday, 11:00am-12:00pm </a:t>
+            </a:r>
+            <a:r>
+              <a:rPr lang="en-US" dirty="0"/>
+              <a:t>over Zoom (or by </a:t>
+            </a:r>
+            <a:r>
+              <a:rPr lang="en-US"/>
+              <a:t>appointment)</a:t>
             </a:r>
           </a:p>
           <a:p>
@@ -3495,12 +3470,24 @@
             <a:endParaRPr lang="en-US" dirty="0"/>
           </a:p>
           <a:p>
-            <a:pPr marL="0" indent="0">
-              <a:buNone/>
-            </a:pPr>
-            <a:r>
-              <a:rPr lang="en-US" dirty="0"/>
-              <a:t>No TA</a:t>
+            <a:r>
+              <a:rPr lang="en-US" dirty="0"/>
+              <a:t>TA: Aniruddh Puranic </a:t>
+            </a:r>
+          </a:p>
+          <a:p>
+            <a:pPr lvl="1"/>
+            <a:r>
+              <a:rPr lang="en-US" dirty="0"/>
+              <a:t>Office Hours: </a:t>
+            </a:r>
+            <a:r>
+              <a:rPr lang="en-US" b="1" dirty="0"/>
+              <a:t>Thursday, 11:00am-12:00pm </a:t>
+            </a:r>
+            <a:r>
+              <a:rPr lang="en-US" dirty="0"/>
+              <a:t>over Zoom (or by appointment)</a:t>
             </a:r>
           </a:p>
         </p:txBody>
@@ -4128,8 +4115,8 @@
         </p:nvGrpSpPr>
         <p:grpSpPr>
           <a:xfrm>
-            <a:off x="7924800" y="905280"/>
-            <a:ext cx="3939615" cy="4130878"/>
+            <a:off x="7092950" y="905280"/>
+            <a:ext cx="4771465" cy="4879570"/>
             <a:chOff x="7924800" y="905280"/>
             <a:chExt cx="3939615" cy="4130878"/>
           </a:xfrm>
@@ -4214,9 +4201,9 @@
               </a:pathLst>
             </a:custGeom>
             <a:solidFill>
-              <a:schemeClr val="accent2">
-                <a:lumMod val="40000"/>
-                <a:lumOff val="60000"/>
+              <a:schemeClr val="accent6">
+                <a:lumMod val="60000"/>
+                <a:lumOff val="40000"/>
                 <a:alpha val="57000"/>
               </a:schemeClr>
             </a:solidFill>
@@ -4265,7 +4252,7 @@
                 <a:buNone/>
               </a:pPr>
               <a:r>
-                <a:rPr lang="en-US" sz="2800" kern="1200" dirty="0"/>
+                <a:rPr lang="en-US" kern="1200" dirty="0"/>
                 <a:t>Control</a:t>
               </a:r>
             </a:p>
@@ -4351,9 +4338,8 @@
               </a:pathLst>
             </a:custGeom>
             <a:solidFill>
-              <a:schemeClr val="accent2">
-                <a:lumMod val="40000"/>
-                <a:lumOff val="60000"/>
+              <a:schemeClr val="accent1">
+                <a:lumMod val="75000"/>
                 <a:alpha val="43000"/>
               </a:schemeClr>
             </a:solidFill>
@@ -4402,7 +4388,7 @@
                 <a:buNone/>
               </a:pPr>
               <a:r>
-                <a:rPr lang="en-US" sz="2200" kern="1200" dirty="0"/>
+                <a:rPr lang="en-US" sz="1600" kern="1200" dirty="0"/>
                 <a:t>Computation</a:t>
               </a:r>
             </a:p>
@@ -4538,7 +4524,7 @@
                 <a:buNone/>
               </a:pPr>
               <a:r>
-                <a:rPr lang="en-US" sz="2400" kern="1200" dirty="0"/>
+                <a:rPr lang="en-US" kern="1200" dirty="0"/>
                 <a:t>Communication</a:t>
               </a:r>
             </a:p>
@@ -5970,7 +5956,7 @@
         </p:spPr>
         <p:txBody>
           <a:bodyPr>
-            <a:normAutofit lnSpcReduction="10000"/>
+            <a:normAutofit fontScale="92500" lnSpcReduction="10000"/>
           </a:bodyPr>
           <a:lstStyle/>
           <a:p>
@@ -5997,7 +5983,14 @@
             <a:pPr lvl="1"/>
             <a:r>
               <a:rPr lang="en-US" dirty="0"/>
-              <a:t>Software Architectures</a:t>
+              <a:t>Software Architecture</a:t>
+            </a:r>
+          </a:p>
+          <a:p>
+            <a:pPr lvl="1"/>
+            <a:r>
+              <a:rPr lang="en-US" dirty="0"/>
+              <a:t>Ingredients for autonomy</a:t>
             </a:r>
           </a:p>
           <a:p>
